--- a/documentation/Connectorthon_Submission_kickbox.pptx
+++ b/documentation/Connectorthon_Submission_kickbox.pptx
@@ -140,6 +140,7 @@
 <p1510:revInfo xmlns:a="http://schemas.openxmlformats.org/drawingml/2006/main" xmlns:r="http://schemas.openxmlformats.org/officeDocument/2006/relationships" xmlns:p1510="http://schemas.microsoft.com/office/powerpoint/2015/10/main">
   <p1510:revLst>
     <p1510:client id="{8697EAC7-ADF8-438B-8276-916B41F2878C}" v="32" dt="2022-01-28T09:45:14.120"/>
+    <p1510:client id="{FA9C31AB-2B1B-41B9-AA40-68F5F18BD2EE}" v="1" dt="2022-01-28T11:56:11.648"/>
   </p1510:revLst>
 </p1510:revInfo>
 </file>
@@ -333,6 +334,30 @@
             <ac:cxnSpMk id="23" creationId="{484FE449-FA91-4E61-8B37-8C772B341C28}"/>
           </ac:cxnSpMkLst>
         </pc:cxnChg>
+      </pc:sldChg>
+    </pc:docChg>
+  </pc:docChgLst>
+  <pc:docChgLst>
+    <pc:chgData name="Diwevedi, Vachaspati" userId="2dac63ae-5ebb-4e69-9374-1db311135852" providerId="ADAL" clId="{FA9C31AB-2B1B-41B9-AA40-68F5F18BD2EE}"/>
+    <pc:docChg chg="modSld">
+      <pc:chgData name="Diwevedi, Vachaspati" userId="2dac63ae-5ebb-4e69-9374-1db311135852" providerId="ADAL" clId="{FA9C31AB-2B1B-41B9-AA40-68F5F18BD2EE}" dt="2022-01-28T11:56:13.875" v="22" actId="6549"/>
+      <pc:docMkLst>
+        <pc:docMk/>
+      </pc:docMkLst>
+      <pc:sldChg chg="modSp mod">
+        <pc:chgData name="Diwevedi, Vachaspati" userId="2dac63ae-5ebb-4e69-9374-1db311135852" providerId="ADAL" clId="{FA9C31AB-2B1B-41B9-AA40-68F5F18BD2EE}" dt="2022-01-28T11:56:13.875" v="22" actId="6549"/>
+        <pc:sldMkLst>
+          <pc:docMk/>
+          <pc:sldMk cId="1022597847" sldId="367"/>
+        </pc:sldMkLst>
+        <pc:spChg chg="mod">
+          <ac:chgData name="Diwevedi, Vachaspati" userId="2dac63ae-5ebb-4e69-9374-1db311135852" providerId="ADAL" clId="{FA9C31AB-2B1B-41B9-AA40-68F5F18BD2EE}" dt="2022-01-28T11:56:13.875" v="22" actId="6549"/>
+          <ac:spMkLst>
+            <pc:docMk/>
+            <pc:sldMk cId="1022597847" sldId="367"/>
+            <ac:spMk id="6" creationId="{525CBB0E-B869-4882-8948-65DD257EDC97}"/>
+          </ac:spMkLst>
+        </pc:spChg>
       </pc:sldChg>
     </pc:docChg>
   </pc:docChgLst>
@@ -34089,6 +34114,16 @@
             </a:r>
           </a:p>
           <a:p>
+            <a:r>
+              <a:rPr lang="en-US" dirty="0"/>
+              <a:t>Asset video link: </a:t>
+            </a:r>
+            <a:r>
+              <a:rPr lang="en-US" dirty="0">
+                <a:hlinkClick r:id="rId3"/>
+              </a:rPr>
+              <a:t>https://web.microsoftstream.com/video/8fb01499-204d-4c71-994a-3aa51cc3e2a2</a:t>
+            </a:r>
             <a:endParaRPr lang="en-US" dirty="0"/>
           </a:p>
           <a:p>
